--- a/g10.pptx
+++ b/g10.pptx
@@ -15,10 +15,11 @@
     <p:sldId id="267" r:id="rId9"/>
     <p:sldId id="272" r:id="rId10"/>
     <p:sldId id="268" r:id="rId11"/>
-    <p:sldId id="269" r:id="rId12"/>
-    <p:sldId id="270" r:id="rId13"/>
-    <p:sldId id="271" r:id="rId14"/>
-    <p:sldId id="273" r:id="rId15"/>
+    <p:sldId id="274" r:id="rId12"/>
+    <p:sldId id="269" r:id="rId13"/>
+    <p:sldId id="270" r:id="rId14"/>
+    <p:sldId id="271" r:id="rId15"/>
+    <p:sldId id="273" r:id="rId16"/>
   </p:sldIdLst>
   <p:sldSz cx="9144000" cy="6858000" type="screen4x3"/>
   <p:notesSz cx="6858000" cy="9144000"/>
@@ -258,7 +259,7 @@
             <a:fld id="{1D8BD707-D9CF-40AE-B4C6-C98DA3205C09}" type="datetimeFigureOut">
               <a:rPr lang="en-US" smtClean="0"/>
               <a:pPr/>
-              <a:t>5/15/2014</a:t>
+              <a:t>5/16/2014</a:t>
             </a:fld>
             <a:endParaRPr lang="en-US"/>
           </a:p>
@@ -1129,7 +1130,7 @@
             <a:fld id="{1D8BD707-D9CF-40AE-B4C6-C98DA3205C09}" type="datetimeFigureOut">
               <a:rPr lang="en-US" smtClean="0"/>
               <a:pPr/>
-              <a:t>5/15/2014</a:t>
+              <a:t>5/16/2014</a:t>
             </a:fld>
             <a:endParaRPr lang="en-US"/>
           </a:p>
@@ -1306,7 +1307,7 @@
             <a:fld id="{1D8BD707-D9CF-40AE-B4C6-C98DA3205C09}" type="datetimeFigureOut">
               <a:rPr lang="en-US" smtClean="0"/>
               <a:pPr/>
-              <a:t>5/15/2014</a:t>
+              <a:t>5/16/2014</a:t>
             </a:fld>
             <a:endParaRPr lang="en-US"/>
           </a:p>
@@ -1478,7 +1479,7 @@
             <a:fld id="{1D8BD707-D9CF-40AE-B4C6-C98DA3205C09}" type="datetimeFigureOut">
               <a:rPr lang="en-US" smtClean="0"/>
               <a:pPr/>
-              <a:t>5/15/2014</a:t>
+              <a:t>5/16/2014</a:t>
             </a:fld>
             <a:endParaRPr lang="en-US"/>
           </a:p>
@@ -1690,7 +1691,7 @@
             <a:fld id="{1D8BD707-D9CF-40AE-B4C6-C98DA3205C09}" type="datetimeFigureOut">
               <a:rPr lang="en-US" smtClean="0"/>
               <a:pPr/>
-              <a:t>5/15/2014</a:t>
+              <a:t>5/16/2014</a:t>
             </a:fld>
             <a:endParaRPr lang="en-US"/>
           </a:p>
@@ -2506,7 +2507,7 @@
             <a:fld id="{1D8BD707-D9CF-40AE-B4C6-C98DA3205C09}" type="datetimeFigureOut">
               <a:rPr lang="en-US" smtClean="0"/>
               <a:pPr/>
-              <a:t>5/15/2014</a:t>
+              <a:t>5/16/2014</a:t>
             </a:fld>
             <a:endParaRPr lang="en-US"/>
           </a:p>
@@ -2744,7 +2745,7 @@
             <a:fld id="{1D8BD707-D9CF-40AE-B4C6-C98DA3205C09}" type="datetimeFigureOut">
               <a:rPr lang="en-US" smtClean="0"/>
               <a:pPr/>
-              <a:t>5/15/2014</a:t>
+              <a:t>5/16/2014</a:t>
             </a:fld>
             <a:endParaRPr lang="en-US"/>
           </a:p>
@@ -3069,7 +3070,7 @@
             <a:fld id="{1D8BD707-D9CF-40AE-B4C6-C98DA3205C09}" type="datetimeFigureOut">
               <a:rPr lang="en-US" smtClean="0"/>
               <a:pPr/>
-              <a:t>5/15/2014</a:t>
+              <a:t>5/16/2014</a:t>
             </a:fld>
             <a:endParaRPr lang="en-US"/>
           </a:p>
@@ -3161,7 +3162,7 @@
             <a:fld id="{1D8BD707-D9CF-40AE-B4C6-C98DA3205C09}" type="datetimeFigureOut">
               <a:rPr lang="en-US" smtClean="0"/>
               <a:pPr/>
-              <a:t>5/15/2014</a:t>
+              <a:t>5/16/2014</a:t>
             </a:fld>
             <a:endParaRPr lang="en-US"/>
           </a:p>
@@ -3680,7 +3681,7 @@
             <a:fld id="{1D8BD707-D9CF-40AE-B4C6-C98DA3205C09}" type="datetimeFigureOut">
               <a:rPr lang="en-US" smtClean="0"/>
               <a:pPr/>
-              <a:t>5/15/2014</a:t>
+              <a:t>5/16/2014</a:t>
             </a:fld>
             <a:endParaRPr lang="en-US"/>
           </a:p>
@@ -4193,7 +4194,7 @@
             <a:fld id="{1D8BD707-D9CF-40AE-B4C6-C98DA3205C09}" type="datetimeFigureOut">
               <a:rPr lang="en-US" smtClean="0"/>
               <a:pPr/>
-              <a:t>5/15/2014</a:t>
+              <a:t>5/16/2014</a:t>
             </a:fld>
             <a:endParaRPr lang="en-US"/>
           </a:p>
@@ -4440,7 +4441,7 @@
             <a:fld id="{1D8BD707-D9CF-40AE-B4C6-C98DA3205C09}" type="datetimeFigureOut">
               <a:rPr lang="en-US" smtClean="0"/>
               <a:pPr/>
-              <a:t>5/15/2014</a:t>
+              <a:t>5/16/2014</a:t>
             </a:fld>
             <a:endParaRPr lang="en-US"/>
           </a:p>
@@ -5480,172 +5481,29 @@
           </a:p>
         </p:txBody>
       </p:sp>
-      <p:sp>
-        <p:nvSpPr>
-          <p:cNvPr id="3" name="Content Placeholder 2"/>
-          <p:cNvSpPr>
-            <a:spLocks noGrp="1"/>
-          </p:cNvSpPr>
+      <p:pic>
+        <p:nvPicPr>
+          <p:cNvPr id="4" name="Content Placeholder 3" descr="10367730_547901741995283_7821852938744615228_n.jpg"/>
+          <p:cNvPicPr>
+            <a:picLocks noGrp="1" noChangeAspect="1"/>
+          </p:cNvPicPr>
           <p:nvPr>
             <p:ph sz="quarter" idx="1"/>
           </p:nvPr>
-        </p:nvSpPr>
-        <p:spPr/>
-        <p:txBody>
-          <a:bodyPr>
-            <a:normAutofit lnSpcReduction="10000"/>
-          </a:bodyPr>
-          <a:lstStyle/>
-          <a:p>
-            <a:r>
-              <a:rPr lang="en-US" sz="2000" b="1" dirty="0" smtClean="0">
-                <a:effectLst>
-                  <a:outerShdw blurRad="38100" dist="38100" dir="2700000" algn="tl">
-                    <a:srgbClr val="000000">
-                      <a:alpha val="43137"/>
-                    </a:srgbClr>
-                  </a:outerShdw>
-                </a:effectLst>
-              </a:rPr>
-              <a:t>Sprint 8</a:t>
-            </a:r>
-            <a:r>
-              <a:rPr lang="en-US" sz="2000" b="1" baseline="30000" dirty="0" smtClean="0">
-                <a:effectLst>
-                  <a:outerShdw blurRad="38100" dist="38100" dir="2700000" algn="tl">
-                    <a:srgbClr val="000000">
-                      <a:alpha val="43137"/>
-                    </a:srgbClr>
-                  </a:outerShdw>
-                </a:effectLst>
-              </a:rPr>
-              <a:t>th</a:t>
-            </a:r>
-            <a:r>
-              <a:rPr lang="en-US" sz="2000" b="1" dirty="0" smtClean="0">
-                <a:effectLst>
-                  <a:outerShdw blurRad="38100" dist="38100" dir="2700000" algn="tl">
-                    <a:srgbClr val="000000">
-                      <a:alpha val="43137"/>
-                    </a:srgbClr>
-                  </a:outerShdw>
-                </a:effectLst>
-              </a:rPr>
-              <a:t> : Create Tools, decorate the drawing page interface </a:t>
-            </a:r>
-          </a:p>
-          <a:p>
-            <a:r>
-              <a:rPr lang="en-US" sz="2000" dirty="0" smtClean="0"/>
-              <a:t>Begin : 9th week</a:t>
-            </a:r>
-          </a:p>
-          <a:p>
-            <a:r>
-              <a:rPr lang="en-US" sz="2000" dirty="0" smtClean="0"/>
-              <a:t>Status : done</a:t>
-            </a:r>
-          </a:p>
-          <a:p>
-            <a:r>
-              <a:rPr lang="en-US" sz="2000" dirty="0" smtClean="0"/>
-              <a:t>Goals </a:t>
-            </a:r>
-            <a:r>
-              <a:rPr lang="en-US" dirty="0" smtClean="0"/>
-              <a:t>:</a:t>
-            </a:r>
-          </a:p>
-          <a:p>
-            <a:pPr lvl="1"/>
-            <a:r>
-              <a:rPr lang="en-US" sz="1800" dirty="0" smtClean="0"/>
-              <a:t>Implement some tools support for user when drawing page , such as easer , image..</a:t>
-            </a:r>
-          </a:p>
-          <a:p>
-            <a:pPr lvl="1"/>
-            <a:r>
-              <a:rPr lang="en-US" sz="1800" dirty="0" smtClean="0"/>
-              <a:t>Decorate page interface</a:t>
-            </a:r>
-            <a:endParaRPr lang="en-US" dirty="0" smtClean="0"/>
-          </a:p>
-          <a:p>
-            <a:r>
-              <a:rPr lang="en-US" sz="2000" dirty="0" smtClean="0"/>
-              <a:t>Responsibility for : Trinh </a:t>
-            </a:r>
-            <a:r>
-              <a:rPr lang="en-US" sz="2000" dirty="0" err="1" smtClean="0"/>
-              <a:t>Thi</a:t>
-            </a:r>
-            <a:r>
-              <a:rPr lang="en-US" sz="2000" dirty="0" smtClean="0"/>
-              <a:t> Thu</a:t>
-            </a:r>
-          </a:p>
-          <a:p>
-            <a:r>
-              <a:rPr lang="en-US" sz="2000" dirty="0" smtClean="0"/>
-              <a:t>Result :</a:t>
-            </a:r>
-          </a:p>
-          <a:p>
-            <a:pPr lvl="1"/>
-            <a:r>
-              <a:rPr lang="en-US" sz="1700" dirty="0" smtClean="0"/>
-              <a:t>Several steps completed</a:t>
-            </a:r>
-          </a:p>
-          <a:p>
-            <a:pPr lvl="1"/>
-            <a:r>
-              <a:rPr lang="en-US" sz="1700" dirty="0" smtClean="0"/>
-              <a:t>Problems  :</a:t>
-            </a:r>
-          </a:p>
-          <a:p>
-            <a:pPr lvl="2"/>
-            <a:r>
-              <a:rPr lang="en-US" sz="1400" dirty="0" smtClean="0"/>
-              <a:t> not easy for testing html, </a:t>
-            </a:r>
-            <a:r>
-              <a:rPr lang="en-US" sz="1400" dirty="0" err="1" smtClean="0"/>
-              <a:t>css</a:t>
-            </a:r>
-            <a:r>
-              <a:rPr lang="en-US" sz="1400" dirty="0" smtClean="0"/>
-              <a:t>, </a:t>
-            </a:r>
-            <a:r>
-              <a:rPr lang="en-US" sz="1400" dirty="0" err="1" smtClean="0"/>
-              <a:t>boostrap</a:t>
-            </a:r>
-            <a:r>
-              <a:rPr lang="en-US" sz="1400" dirty="0" smtClean="0"/>
-              <a:t> </a:t>
-            </a:r>
-          </a:p>
-          <a:p>
-            <a:pPr lvl="2"/>
-            <a:r>
-              <a:rPr lang="en-US" sz="1400" dirty="0" smtClean="0"/>
-              <a:t>Implement may be difficult</a:t>
-            </a:r>
-          </a:p>
-          <a:p>
-            <a:r>
-              <a:rPr lang="en-US" sz="2000" dirty="0" smtClean="0"/>
-              <a:t>Member’s enthusiasm : good</a:t>
-            </a:r>
-          </a:p>
-          <a:p>
-            <a:endParaRPr lang="vi-VN" dirty="0"/>
-          </a:p>
-        </p:txBody>
-      </p:sp>
+        </p:nvPicPr>
+        <p:blipFill>
+          <a:blip r:embed="rId2"/>
+          <a:stretch>
+            <a:fillRect/>
+          </a:stretch>
+        </p:blipFill>
+        <p:spPr>
+          <a:xfrm>
+            <a:off x="762000" y="1600200"/>
+            <a:ext cx="7391400" cy="4873625"/>
+          </a:xfrm>
+        </p:spPr>
+      </p:pic>
     </p:spTree>
   </p:cSld>
   <p:clrMapOvr>
@@ -5707,7 +5565,7 @@
         <p:spPr/>
         <p:txBody>
           <a:bodyPr>
-            <a:normAutofit/>
+            <a:normAutofit lnSpcReduction="10000"/>
           </a:bodyPr>
           <a:lstStyle/>
           <a:p>
@@ -5721,7 +5579,7 @@
                   </a:outerShdw>
                 </a:effectLst>
               </a:rPr>
-              <a:t>Sprint 9</a:t>
+              <a:t>Sprint 8</a:t>
             </a:r>
             <a:r>
               <a:rPr lang="en-US" sz="2000" b="1" baseline="30000" dirty="0" smtClean="0">
@@ -5745,30 +5603,22 @@
                   </a:outerShdw>
                 </a:effectLst>
               </a:rPr>
-              <a:t> : Adding feature for users</a:t>
+              <a:t> : Create Tools, decorate the drawing page interface </a:t>
             </a:r>
           </a:p>
           <a:p>
             <a:r>
               <a:rPr lang="en-US" sz="2000" dirty="0" smtClean="0"/>
-              <a:t>Begin : 10th week</a:t>
+              <a:t>Begin : 9th week</a:t>
             </a:r>
           </a:p>
           <a:p>
             <a:r>
               <a:rPr lang="en-US" sz="2000" dirty="0" smtClean="0"/>
-              <a:t>Status : doing</a:t>
-            </a:r>
-          </a:p>
-          <a:p>
-            <a:pPr marL="274320" lvl="1">
-              <a:spcBef>
-                <a:spcPts val="600"/>
-              </a:spcBef>
-              <a:buSzPct val="70000"/>
-              <a:buFont typeface="Wingdings"/>
-              <a:buChar char=""/>
-            </a:pPr>
+              <a:t>Status : done</a:t>
+            </a:r>
+          </a:p>
+          <a:p>
             <a:r>
               <a:rPr lang="en-US" sz="2000" dirty="0" smtClean="0"/>
               <a:t>Goals </a:t>
@@ -5779,52 +5629,32 @@
             </a:r>
           </a:p>
           <a:p>
-            <a:pPr marL="548640" lvl="2">
-              <a:spcBef>
-                <a:spcPts val="600"/>
-              </a:spcBef>
-              <a:buSzPct val="70000"/>
-            </a:pPr>
-            <a:r>
-              <a:rPr lang="en-US" sz="1700" dirty="0" smtClean="0"/>
-              <a:t>This apps be able to login with social network account such as </a:t>
-            </a:r>
-            <a:r>
-              <a:rPr lang="en-US" sz="1700" dirty="0" err="1" smtClean="0"/>
-              <a:t>facebook</a:t>
-            </a:r>
-            <a:r>
-              <a:rPr lang="en-US" sz="1700" dirty="0" smtClean="0"/>
-              <a:t>, </a:t>
-            </a:r>
-            <a:r>
-              <a:rPr lang="en-US" sz="1700" dirty="0" err="1" smtClean="0"/>
-              <a:t>gmail</a:t>
-            </a:r>
-            <a:r>
-              <a:rPr lang="en-US" sz="1700" dirty="0" smtClean="0"/>
-              <a:t>..</a:t>
-            </a:r>
-          </a:p>
-          <a:p>
             <a:pPr lvl="1"/>
             <a:r>
               <a:rPr lang="en-US" sz="1800" dirty="0" smtClean="0"/>
-              <a:t>This apps can get user information from the other account</a:t>
-            </a:r>
+              <a:t>Implement some tools support for user when drawing page , such as easer , image..</a:t>
+            </a:r>
+          </a:p>
+          <a:p>
+            <a:pPr lvl="1"/>
+            <a:r>
+              <a:rPr lang="en-US" sz="1800" dirty="0" smtClean="0"/>
+              <a:t>Decorate page interface</a:t>
+            </a:r>
+            <a:endParaRPr lang="en-US" dirty="0" smtClean="0"/>
           </a:p>
           <a:p>
             <a:r>
               <a:rPr lang="en-US" sz="2000" dirty="0" smtClean="0"/>
-              <a:t>Responsibility for : Dao </a:t>
+              <a:t>Responsibility for : Trinh </a:t>
             </a:r>
             <a:r>
               <a:rPr lang="en-US" sz="2000" dirty="0" err="1" smtClean="0"/>
-              <a:t>Hai</a:t>
+              <a:t>Thi</a:t>
             </a:r>
             <a:r>
               <a:rPr lang="en-US" sz="2000" dirty="0" smtClean="0"/>
-              <a:t> Long</a:t>
+              <a:t> Thu</a:t>
             </a:r>
           </a:p>
           <a:p>
@@ -5844,7 +5674,37 @@
             <a:pPr lvl="1"/>
             <a:r>
               <a:rPr lang="en-US" sz="1700" dirty="0" smtClean="0"/>
-              <a:t>Problems  : several problems about interface, links </a:t>
+              <a:t>Problems  :</a:t>
+            </a:r>
+          </a:p>
+          <a:p>
+            <a:pPr lvl="2"/>
+            <a:r>
+              <a:rPr lang="en-US" sz="1400" dirty="0" smtClean="0"/>
+              <a:t> not easy for testing html, </a:t>
+            </a:r>
+            <a:r>
+              <a:rPr lang="en-US" sz="1400" dirty="0" err="1" smtClean="0"/>
+              <a:t>css</a:t>
+            </a:r>
+            <a:r>
+              <a:rPr lang="en-US" sz="1400" dirty="0" smtClean="0"/>
+              <a:t>, </a:t>
+            </a:r>
+            <a:r>
+              <a:rPr lang="en-US" sz="1400" dirty="0" err="1" smtClean="0"/>
+              <a:t>boostrap</a:t>
+            </a:r>
+            <a:r>
+              <a:rPr lang="en-US" sz="1400" dirty="0" smtClean="0"/>
+              <a:t> </a:t>
+            </a:r>
+          </a:p>
+          <a:p>
+            <a:pPr lvl="2"/>
+            <a:r>
+              <a:rPr lang="en-US" sz="1400" dirty="0" smtClean="0"/>
+              <a:t>Implement may be difficult</a:t>
             </a:r>
           </a:p>
           <a:p>
@@ -5918,6 +5778,218 @@
         </p:nvSpPr>
         <p:spPr/>
         <p:txBody>
+          <a:bodyPr>
+            <a:normAutofit/>
+          </a:bodyPr>
+          <a:lstStyle/>
+          <a:p>
+            <a:r>
+              <a:rPr lang="en-US" sz="2000" b="1" dirty="0" smtClean="0">
+                <a:effectLst>
+                  <a:outerShdw blurRad="38100" dist="38100" dir="2700000" algn="tl">
+                    <a:srgbClr val="000000">
+                      <a:alpha val="43137"/>
+                    </a:srgbClr>
+                  </a:outerShdw>
+                </a:effectLst>
+              </a:rPr>
+              <a:t>Sprint 9</a:t>
+            </a:r>
+            <a:r>
+              <a:rPr lang="en-US" sz="2000" b="1" baseline="30000" dirty="0" smtClean="0">
+                <a:effectLst>
+                  <a:outerShdw blurRad="38100" dist="38100" dir="2700000" algn="tl">
+                    <a:srgbClr val="000000">
+                      <a:alpha val="43137"/>
+                    </a:srgbClr>
+                  </a:outerShdw>
+                </a:effectLst>
+              </a:rPr>
+              <a:t>th</a:t>
+            </a:r>
+            <a:r>
+              <a:rPr lang="en-US" sz="2000" b="1" dirty="0" smtClean="0">
+                <a:effectLst>
+                  <a:outerShdw blurRad="38100" dist="38100" dir="2700000" algn="tl">
+                    <a:srgbClr val="000000">
+                      <a:alpha val="43137"/>
+                    </a:srgbClr>
+                  </a:outerShdw>
+                </a:effectLst>
+              </a:rPr>
+              <a:t> : Adding feature for users</a:t>
+            </a:r>
+          </a:p>
+          <a:p>
+            <a:r>
+              <a:rPr lang="en-US" sz="2000" dirty="0" smtClean="0"/>
+              <a:t>Begin : 10th week</a:t>
+            </a:r>
+          </a:p>
+          <a:p>
+            <a:r>
+              <a:rPr lang="en-US" sz="2000" dirty="0" smtClean="0"/>
+              <a:t>Status : doing</a:t>
+            </a:r>
+          </a:p>
+          <a:p>
+            <a:pPr marL="274320" lvl="1">
+              <a:spcBef>
+                <a:spcPts val="600"/>
+              </a:spcBef>
+              <a:buSzPct val="70000"/>
+              <a:buFont typeface="Wingdings"/>
+              <a:buChar char=""/>
+            </a:pPr>
+            <a:r>
+              <a:rPr lang="en-US" sz="2000" dirty="0" smtClean="0"/>
+              <a:t>Goals </a:t>
+            </a:r>
+            <a:r>
+              <a:rPr lang="en-US" dirty="0" smtClean="0"/>
+              <a:t>:</a:t>
+            </a:r>
+          </a:p>
+          <a:p>
+            <a:pPr marL="548640" lvl="2">
+              <a:spcBef>
+                <a:spcPts val="600"/>
+              </a:spcBef>
+              <a:buSzPct val="70000"/>
+            </a:pPr>
+            <a:r>
+              <a:rPr lang="en-US" sz="1700" dirty="0" smtClean="0"/>
+              <a:t>This apps be able to login with social network account such as </a:t>
+            </a:r>
+            <a:r>
+              <a:rPr lang="en-US" sz="1700" dirty="0" err="1" smtClean="0"/>
+              <a:t>facebook</a:t>
+            </a:r>
+            <a:r>
+              <a:rPr lang="en-US" sz="1700" dirty="0" smtClean="0"/>
+              <a:t>, </a:t>
+            </a:r>
+            <a:r>
+              <a:rPr lang="en-US" sz="1700" dirty="0" err="1" smtClean="0"/>
+              <a:t>gmail</a:t>
+            </a:r>
+            <a:r>
+              <a:rPr lang="en-US" sz="1700" dirty="0" smtClean="0"/>
+              <a:t>..</a:t>
+            </a:r>
+          </a:p>
+          <a:p>
+            <a:pPr lvl="1"/>
+            <a:r>
+              <a:rPr lang="en-US" sz="1800" dirty="0" smtClean="0"/>
+              <a:t>This apps can get user information from the other account</a:t>
+            </a:r>
+          </a:p>
+          <a:p>
+            <a:r>
+              <a:rPr lang="en-US" sz="2000" dirty="0" smtClean="0"/>
+              <a:t>Responsibility for : Dao </a:t>
+            </a:r>
+            <a:r>
+              <a:rPr lang="en-US" sz="2000" dirty="0" err="1" smtClean="0"/>
+              <a:t>Hai</a:t>
+            </a:r>
+            <a:r>
+              <a:rPr lang="en-US" sz="2000" dirty="0" smtClean="0"/>
+              <a:t> Long</a:t>
+            </a:r>
+          </a:p>
+          <a:p>
+            <a:r>
+              <a:rPr lang="en-US" sz="2000" dirty="0" smtClean="0"/>
+              <a:t>Result :</a:t>
+            </a:r>
+          </a:p>
+          <a:p>
+            <a:pPr lvl="1"/>
+            <a:r>
+              <a:rPr lang="en-US" sz="1700" dirty="0" smtClean="0"/>
+              <a:t>Several steps completed</a:t>
+            </a:r>
+          </a:p>
+          <a:p>
+            <a:pPr lvl="1"/>
+            <a:r>
+              <a:rPr lang="en-US" sz="1700" dirty="0" smtClean="0"/>
+              <a:t>Problems  : several problems about interface, links </a:t>
+            </a:r>
+          </a:p>
+          <a:p>
+            <a:r>
+              <a:rPr lang="en-US" sz="2000" dirty="0" smtClean="0"/>
+              <a:t>Member’s enthusiasm : good</a:t>
+            </a:r>
+          </a:p>
+          <a:p>
+            <a:endParaRPr lang="vi-VN" dirty="0"/>
+          </a:p>
+        </p:txBody>
+      </p:sp>
+    </p:spTree>
+  </p:cSld>
+  <p:clrMapOvr>
+    <a:masterClrMapping/>
+  </p:clrMapOvr>
+</p:sld>
+</file>
+
+<file path=ppt/slides/slide14.xml><?xml version="1.0" encoding="utf-8"?>
+<p:sld xmlns:a="http://schemas.openxmlformats.org/drawingml/2006/main" xmlns:r="http://schemas.openxmlformats.org/officeDocument/2006/relationships" xmlns:p="http://schemas.openxmlformats.org/presentationml/2006/main">
+  <p:cSld>
+    <p:spTree>
+      <p:nvGrpSpPr>
+        <p:cNvPr id="1" name=""/>
+        <p:cNvGrpSpPr/>
+        <p:nvPr/>
+      </p:nvGrpSpPr>
+      <p:grpSpPr>
+        <a:xfrm>
+          <a:off x="0" y="0"/>
+          <a:ext cx="0" cy="0"/>
+          <a:chOff x="0" y="0"/>
+          <a:chExt cx="0" cy="0"/>
+        </a:xfrm>
+      </p:grpSpPr>
+      <p:sp>
+        <p:nvSpPr>
+          <p:cNvPr id="2" name="Title 1"/>
+          <p:cNvSpPr>
+            <a:spLocks noGrp="1"/>
+          </p:cNvSpPr>
+          <p:nvPr>
+            <p:ph type="title"/>
+          </p:nvPr>
+        </p:nvSpPr>
+        <p:spPr/>
+        <p:txBody>
+          <a:bodyPr/>
+          <a:lstStyle/>
+          <a:p>
+            <a:r>
+              <a:rPr lang="en-US" dirty="0" err="1" smtClean="0"/>
+              <a:t>Mindmap</a:t>
+            </a:r>
+            <a:endParaRPr lang="vi-VN" dirty="0"/>
+          </a:p>
+        </p:txBody>
+      </p:sp>
+      <p:sp>
+        <p:nvSpPr>
+          <p:cNvPr id="3" name="Content Placeholder 2"/>
+          <p:cNvSpPr>
+            <a:spLocks noGrp="1"/>
+          </p:cNvSpPr>
+          <p:nvPr>
+            <p:ph sz="quarter" idx="1"/>
+          </p:nvPr>
+        </p:nvSpPr>
+        <p:spPr/>
+        <p:txBody>
           <a:bodyPr/>
           <a:lstStyle/>
           <a:p>
@@ -6117,7 +6189,7 @@
 </p:sld>
 </file>
 
-<file path=ppt/slides/slide14.xml><?xml version="1.0" encoding="utf-8"?>
+<file path=ppt/slides/slide15.xml><?xml version="1.0" encoding="utf-8"?>
 <p:sld xmlns:a="http://schemas.openxmlformats.org/drawingml/2006/main" xmlns:r="http://schemas.openxmlformats.org/officeDocument/2006/relationships" xmlns:p="http://schemas.openxmlformats.org/presentationml/2006/main">
   <p:cSld>
     <p:spTree>

--- a/g10.pptx
+++ b/g10.pptx
@@ -19,6 +19,8 @@
     <p:sldId id="270" r:id="rId13"/>
     <p:sldId id="271" r:id="rId14"/>
     <p:sldId id="273" r:id="rId15"/>
+    <p:sldId id="274" r:id="rId16"/>
+    <p:sldId id="275" r:id="rId17"/>
   </p:sldIdLst>
   <p:sldSz cx="9144000" cy="6858000" type="screen4x3"/>
   <p:notesSz cx="6858000" cy="9144000"/>
@@ -258,7 +260,7 @@
             <a:fld id="{1D8BD707-D9CF-40AE-B4C6-C98DA3205C09}" type="datetimeFigureOut">
               <a:rPr lang="en-US" smtClean="0"/>
               <a:pPr/>
-              <a:t>5/15/2014</a:t>
+              <a:t>5/21/2014</a:t>
             </a:fld>
             <a:endParaRPr lang="en-US"/>
           </a:p>
@@ -1129,7 +1131,7 @@
             <a:fld id="{1D8BD707-D9CF-40AE-B4C6-C98DA3205C09}" type="datetimeFigureOut">
               <a:rPr lang="en-US" smtClean="0"/>
               <a:pPr/>
-              <a:t>5/15/2014</a:t>
+              <a:t>5/21/2014</a:t>
             </a:fld>
             <a:endParaRPr lang="en-US"/>
           </a:p>
@@ -1306,7 +1308,7 @@
             <a:fld id="{1D8BD707-D9CF-40AE-B4C6-C98DA3205C09}" type="datetimeFigureOut">
               <a:rPr lang="en-US" smtClean="0"/>
               <a:pPr/>
-              <a:t>5/15/2014</a:t>
+              <a:t>5/21/2014</a:t>
             </a:fld>
             <a:endParaRPr lang="en-US"/>
           </a:p>
@@ -1478,7 +1480,7 @@
             <a:fld id="{1D8BD707-D9CF-40AE-B4C6-C98DA3205C09}" type="datetimeFigureOut">
               <a:rPr lang="en-US" smtClean="0"/>
               <a:pPr/>
-              <a:t>5/15/2014</a:t>
+              <a:t>5/21/2014</a:t>
             </a:fld>
             <a:endParaRPr lang="en-US"/>
           </a:p>
@@ -1690,7 +1692,7 @@
             <a:fld id="{1D8BD707-D9CF-40AE-B4C6-C98DA3205C09}" type="datetimeFigureOut">
               <a:rPr lang="en-US" smtClean="0"/>
               <a:pPr/>
-              <a:t>5/15/2014</a:t>
+              <a:t>5/21/2014</a:t>
             </a:fld>
             <a:endParaRPr lang="en-US"/>
           </a:p>
@@ -2506,7 +2508,7 @@
             <a:fld id="{1D8BD707-D9CF-40AE-B4C6-C98DA3205C09}" type="datetimeFigureOut">
               <a:rPr lang="en-US" smtClean="0"/>
               <a:pPr/>
-              <a:t>5/15/2014</a:t>
+              <a:t>5/21/2014</a:t>
             </a:fld>
             <a:endParaRPr lang="en-US"/>
           </a:p>
@@ -2744,7 +2746,7 @@
             <a:fld id="{1D8BD707-D9CF-40AE-B4C6-C98DA3205C09}" type="datetimeFigureOut">
               <a:rPr lang="en-US" smtClean="0"/>
               <a:pPr/>
-              <a:t>5/15/2014</a:t>
+              <a:t>5/21/2014</a:t>
             </a:fld>
             <a:endParaRPr lang="en-US"/>
           </a:p>
@@ -3069,7 +3071,7 @@
             <a:fld id="{1D8BD707-D9CF-40AE-B4C6-C98DA3205C09}" type="datetimeFigureOut">
               <a:rPr lang="en-US" smtClean="0"/>
               <a:pPr/>
-              <a:t>5/15/2014</a:t>
+              <a:t>5/21/2014</a:t>
             </a:fld>
             <a:endParaRPr lang="en-US"/>
           </a:p>
@@ -3161,7 +3163,7 @@
             <a:fld id="{1D8BD707-D9CF-40AE-B4C6-C98DA3205C09}" type="datetimeFigureOut">
               <a:rPr lang="en-US" smtClean="0"/>
               <a:pPr/>
-              <a:t>5/15/2014</a:t>
+              <a:t>5/21/2014</a:t>
             </a:fld>
             <a:endParaRPr lang="en-US"/>
           </a:p>
@@ -3680,7 +3682,7 @@
             <a:fld id="{1D8BD707-D9CF-40AE-B4C6-C98DA3205C09}" type="datetimeFigureOut">
               <a:rPr lang="en-US" smtClean="0"/>
               <a:pPr/>
-              <a:t>5/15/2014</a:t>
+              <a:t>5/21/2014</a:t>
             </a:fld>
             <a:endParaRPr lang="en-US"/>
           </a:p>
@@ -4193,7 +4195,7 @@
             <a:fld id="{1D8BD707-D9CF-40AE-B4C6-C98DA3205C09}" type="datetimeFigureOut">
               <a:rPr lang="en-US" smtClean="0"/>
               <a:pPr/>
-              <a:t>5/15/2014</a:t>
+              <a:t>5/21/2014</a:t>
             </a:fld>
             <a:endParaRPr lang="en-US"/>
           </a:p>
@@ -4440,7 +4442,7 @@
             <a:fld id="{1D8BD707-D9CF-40AE-B4C6-C98DA3205C09}" type="datetimeFigureOut">
               <a:rPr lang="en-US" smtClean="0"/>
               <a:pPr/>
-              <a:t>5/15/2014</a:t>
+              <a:t>5/21/2014</a:t>
             </a:fld>
             <a:endParaRPr lang="en-US"/>
           </a:p>
@@ -6188,6 +6190,176 @@
 </p:sld>
 </file>
 
+<file path=ppt/slides/slide15.xml><?xml version="1.0" encoding="utf-8"?>
+<p:sld xmlns:a="http://schemas.openxmlformats.org/drawingml/2006/main" xmlns:r="http://schemas.openxmlformats.org/officeDocument/2006/relationships" xmlns:p="http://schemas.openxmlformats.org/presentationml/2006/main">
+  <p:cSld>
+    <p:spTree>
+      <p:nvGrpSpPr>
+        <p:cNvPr id="1" name=""/>
+        <p:cNvGrpSpPr/>
+        <p:nvPr/>
+      </p:nvGrpSpPr>
+      <p:grpSpPr>
+        <a:xfrm>
+          <a:off x="0" y="0"/>
+          <a:ext cx="0" cy="0"/>
+          <a:chOff x="0" y="0"/>
+          <a:chExt cx="0" cy="0"/>
+        </a:xfrm>
+      </p:grpSpPr>
+      <p:sp>
+        <p:nvSpPr>
+          <p:cNvPr id="2" name="Title 1"/>
+          <p:cNvSpPr>
+            <a:spLocks noGrp="1"/>
+          </p:cNvSpPr>
+          <p:nvPr>
+            <p:ph type="title"/>
+          </p:nvPr>
+        </p:nvSpPr>
+        <p:spPr/>
+        <p:txBody>
+          <a:bodyPr/>
+          <a:lstStyle/>
+          <a:p>
+            <a:r>
+              <a:rPr lang="en-US" dirty="0" err="1" smtClean="0"/>
+              <a:t>Mindmap</a:t>
+            </a:r>
+            <a:endParaRPr lang="vi-VN" dirty="0"/>
+          </a:p>
+        </p:txBody>
+      </p:sp>
+      <p:sp>
+        <p:nvSpPr>
+          <p:cNvPr id="3" name="Content Placeholder 2"/>
+          <p:cNvSpPr>
+            <a:spLocks noGrp="1"/>
+          </p:cNvSpPr>
+          <p:nvPr>
+            <p:ph sz="quarter" idx="1"/>
+          </p:nvPr>
+        </p:nvSpPr>
+        <p:spPr/>
+        <p:txBody>
+          <a:bodyPr>
+            <a:normAutofit/>
+          </a:bodyPr>
+          <a:lstStyle/>
+          <a:p>
+            <a:r>
+              <a:rPr lang="en-US" sz="2000" dirty="0" smtClean="0"/>
+              <a:t>Using Lint for Ruby on Rails</a:t>
+            </a:r>
+          </a:p>
+          <a:p>
+            <a:endParaRPr lang="vi-VN" sz="2000" dirty="0"/>
+          </a:p>
+        </p:txBody>
+      </p:sp>
+      <p:pic>
+        <p:nvPicPr>
+          <p:cNvPr id="4" name="Picture 3" descr="javascript_before.png"/>
+          <p:cNvPicPr>
+            <a:picLocks noChangeAspect="1"/>
+          </p:cNvPicPr>
+          <p:nvPr/>
+        </p:nvPicPr>
+        <p:blipFill>
+          <a:blip r:embed="rId2"/>
+          <a:stretch>
+            <a:fillRect/>
+          </a:stretch>
+        </p:blipFill>
+        <p:spPr>
+          <a:xfrm>
+            <a:off x="457200" y="1981200"/>
+            <a:ext cx="8001000" cy="4686954"/>
+          </a:xfrm>
+          <a:prstGeom prst="rect">
+            <a:avLst/>
+          </a:prstGeom>
+        </p:spPr>
+      </p:pic>
+    </p:spTree>
+  </p:cSld>
+  <p:clrMapOvr>
+    <a:masterClrMapping/>
+  </p:clrMapOvr>
+</p:sld>
+</file>
+
+<file path=ppt/slides/slide16.xml><?xml version="1.0" encoding="utf-8"?>
+<p:sld xmlns:a="http://schemas.openxmlformats.org/drawingml/2006/main" xmlns:r="http://schemas.openxmlformats.org/officeDocument/2006/relationships" xmlns:p="http://schemas.openxmlformats.org/presentationml/2006/main">
+  <p:cSld>
+    <p:spTree>
+      <p:nvGrpSpPr>
+        <p:cNvPr id="1" name=""/>
+        <p:cNvGrpSpPr/>
+        <p:nvPr/>
+      </p:nvGrpSpPr>
+      <p:grpSpPr>
+        <a:xfrm>
+          <a:off x="0" y="0"/>
+          <a:ext cx="0" cy="0"/>
+          <a:chOff x="0" y="0"/>
+          <a:chExt cx="0" cy="0"/>
+        </a:xfrm>
+      </p:grpSpPr>
+      <p:sp>
+        <p:nvSpPr>
+          <p:cNvPr id="2" name="Title 1"/>
+          <p:cNvSpPr>
+            <a:spLocks noGrp="1"/>
+          </p:cNvSpPr>
+          <p:nvPr>
+            <p:ph type="title"/>
+          </p:nvPr>
+        </p:nvSpPr>
+        <p:spPr/>
+        <p:txBody>
+          <a:bodyPr/>
+          <a:lstStyle/>
+          <a:p>
+            <a:r>
+              <a:rPr lang="en-US" dirty="0" err="1" smtClean="0"/>
+              <a:t>Mindmap</a:t>
+            </a:r>
+            <a:endParaRPr lang="vi-VN" dirty="0"/>
+          </a:p>
+        </p:txBody>
+      </p:sp>
+      <p:pic>
+        <p:nvPicPr>
+          <p:cNvPr id="4" name="Content Placeholder 3" descr="javascript_after.png"/>
+          <p:cNvPicPr>
+            <a:picLocks noGrp="1" noChangeAspect="1"/>
+          </p:cNvPicPr>
+          <p:nvPr>
+            <p:ph sz="quarter" idx="1"/>
+          </p:nvPr>
+        </p:nvPicPr>
+        <p:blipFill>
+          <a:blip r:embed="rId2"/>
+          <a:stretch>
+            <a:fillRect/>
+          </a:stretch>
+        </p:blipFill>
+        <p:spPr>
+          <a:xfrm>
+            <a:off x="585284" y="1693535"/>
+            <a:ext cx="7211432" cy="4686954"/>
+          </a:xfrm>
+        </p:spPr>
+      </p:pic>
+    </p:spTree>
+  </p:cSld>
+  <p:clrMapOvr>
+    <a:masterClrMapping/>
+  </p:clrMapOvr>
+</p:sld>
+</file>
+
 <file path=ppt/slides/slide2.xml><?xml version="1.0" encoding="utf-8"?>
 <p:sld xmlns:a="http://schemas.openxmlformats.org/drawingml/2006/main" xmlns:r="http://schemas.openxmlformats.org/officeDocument/2006/relationships" xmlns:p="http://schemas.openxmlformats.org/presentationml/2006/main">
   <p:cSld>

--- a/g10.pptx
+++ b/g10.pptx
@@ -21,6 +21,8 @@
     <p:sldId id="273" r:id="rId15"/>
     <p:sldId id="274" r:id="rId16"/>
     <p:sldId id="275" r:id="rId17"/>
+    <p:sldId id="276" r:id="rId18"/>
+    <p:sldId id="277" r:id="rId19"/>
   </p:sldIdLst>
   <p:sldSz cx="9144000" cy="6858000" type="screen4x3"/>
   <p:notesSz cx="6858000" cy="9144000"/>
@@ -6360,6 +6362,206 @@
 </p:sld>
 </file>
 
+<file path=ppt/slides/slide17.xml><?xml version="1.0" encoding="utf-8"?>
+<p:sld xmlns:a="http://schemas.openxmlformats.org/drawingml/2006/main" xmlns:r="http://schemas.openxmlformats.org/officeDocument/2006/relationships" xmlns:p="http://schemas.openxmlformats.org/presentationml/2006/main">
+  <p:cSld>
+    <p:spTree>
+      <p:nvGrpSpPr>
+        <p:cNvPr id="1" name=""/>
+        <p:cNvGrpSpPr/>
+        <p:nvPr/>
+      </p:nvGrpSpPr>
+      <p:grpSpPr>
+        <a:xfrm>
+          <a:off x="0" y="0"/>
+          <a:ext cx="0" cy="0"/>
+          <a:chOff x="0" y="0"/>
+          <a:chExt cx="0" cy="0"/>
+        </a:xfrm>
+      </p:grpSpPr>
+      <p:sp>
+        <p:nvSpPr>
+          <p:cNvPr id="2" name="Title 1"/>
+          <p:cNvSpPr>
+            <a:spLocks noGrp="1"/>
+          </p:cNvSpPr>
+          <p:nvPr>
+            <p:ph type="title"/>
+          </p:nvPr>
+        </p:nvSpPr>
+        <p:spPr/>
+        <p:txBody>
+          <a:bodyPr/>
+          <a:lstStyle/>
+          <a:p>
+            <a:r>
+              <a:rPr lang="en-US" dirty="0" err="1" smtClean="0"/>
+              <a:t>Mindmap</a:t>
+            </a:r>
+            <a:endParaRPr lang="vi-VN" dirty="0"/>
+          </a:p>
+        </p:txBody>
+      </p:sp>
+      <p:sp>
+        <p:nvSpPr>
+          <p:cNvPr id="3" name="Content Placeholder 2"/>
+          <p:cNvSpPr>
+            <a:spLocks noGrp="1"/>
+          </p:cNvSpPr>
+          <p:nvPr>
+            <p:ph sz="quarter" idx="1"/>
+          </p:nvPr>
+        </p:nvSpPr>
+        <p:spPr/>
+        <p:txBody>
+          <a:bodyPr/>
+          <a:lstStyle/>
+          <a:p>
+            <a:r>
+              <a:rPr lang="en-US" dirty="0" smtClean="0"/>
+              <a:t>U</a:t>
+            </a:r>
+            <a:r>
+              <a:rPr lang="en-US" sz="2000" dirty="0" smtClean="0"/>
+              <a:t>ser case diagram</a:t>
+            </a:r>
+          </a:p>
+          <a:p>
+            <a:endParaRPr lang="vi-VN" sz="2000" dirty="0"/>
+          </a:p>
+        </p:txBody>
+      </p:sp>
+      <p:pic>
+        <p:nvPicPr>
+          <p:cNvPr id="5" name="Picture 4" descr="UseCase_Diagram.PNG"/>
+          <p:cNvPicPr>
+            <a:picLocks noChangeAspect="1"/>
+          </p:cNvPicPr>
+          <p:nvPr/>
+        </p:nvPicPr>
+        <p:blipFill>
+          <a:blip r:embed="rId2"/>
+          <a:stretch>
+            <a:fillRect/>
+          </a:stretch>
+        </p:blipFill>
+        <p:spPr>
+          <a:xfrm>
+            <a:off x="0" y="1828800"/>
+            <a:ext cx="9144000" cy="5029200"/>
+          </a:xfrm>
+          <a:prstGeom prst="rect">
+            <a:avLst/>
+          </a:prstGeom>
+        </p:spPr>
+      </p:pic>
+    </p:spTree>
+  </p:cSld>
+  <p:clrMapOvr>
+    <a:masterClrMapping/>
+  </p:clrMapOvr>
+</p:sld>
+</file>
+
+<file path=ppt/slides/slide18.xml><?xml version="1.0" encoding="utf-8"?>
+<p:sld xmlns:a="http://schemas.openxmlformats.org/drawingml/2006/main" xmlns:r="http://schemas.openxmlformats.org/officeDocument/2006/relationships" xmlns:p="http://schemas.openxmlformats.org/presentationml/2006/main">
+  <p:cSld>
+    <p:spTree>
+      <p:nvGrpSpPr>
+        <p:cNvPr id="1" name=""/>
+        <p:cNvGrpSpPr/>
+        <p:nvPr/>
+      </p:nvGrpSpPr>
+      <p:grpSpPr>
+        <a:xfrm>
+          <a:off x="0" y="0"/>
+          <a:ext cx="0" cy="0"/>
+          <a:chOff x="0" y="0"/>
+          <a:chExt cx="0" cy="0"/>
+        </a:xfrm>
+      </p:grpSpPr>
+      <p:sp>
+        <p:nvSpPr>
+          <p:cNvPr id="2" name="Title 1"/>
+          <p:cNvSpPr>
+            <a:spLocks noGrp="1"/>
+          </p:cNvSpPr>
+          <p:nvPr>
+            <p:ph type="title"/>
+          </p:nvPr>
+        </p:nvSpPr>
+        <p:spPr/>
+        <p:txBody>
+          <a:bodyPr/>
+          <a:lstStyle/>
+          <a:p>
+            <a:r>
+              <a:rPr lang="en-US" dirty="0" err="1" smtClean="0"/>
+              <a:t>Mindmap</a:t>
+            </a:r>
+            <a:endParaRPr lang="vi-VN" dirty="0"/>
+          </a:p>
+        </p:txBody>
+      </p:sp>
+      <p:sp>
+        <p:nvSpPr>
+          <p:cNvPr id="3" name="Content Placeholder 2"/>
+          <p:cNvSpPr>
+            <a:spLocks noGrp="1"/>
+          </p:cNvSpPr>
+          <p:nvPr>
+            <p:ph sz="quarter" idx="1"/>
+          </p:nvPr>
+        </p:nvSpPr>
+        <p:spPr/>
+        <p:txBody>
+          <a:bodyPr>
+            <a:normAutofit/>
+          </a:bodyPr>
+          <a:lstStyle/>
+          <a:p>
+            <a:r>
+              <a:rPr lang="en-US" sz="2000" dirty="0" smtClean="0"/>
+              <a:t>Activities sequence</a:t>
+            </a:r>
+          </a:p>
+          <a:p>
+            <a:endParaRPr lang="vi-VN" sz="2000" dirty="0"/>
+          </a:p>
+        </p:txBody>
+      </p:sp>
+      <p:pic>
+        <p:nvPicPr>
+          <p:cNvPr id="5" name="Picture 4" descr="edit_profile_activity_.jpg"/>
+          <p:cNvPicPr>
+            <a:picLocks noChangeAspect="1"/>
+          </p:cNvPicPr>
+          <p:nvPr/>
+        </p:nvPicPr>
+        <p:blipFill>
+          <a:blip r:embed="rId2"/>
+          <a:stretch>
+            <a:fillRect/>
+          </a:stretch>
+        </p:blipFill>
+        <p:spPr>
+          <a:xfrm>
+            <a:off x="228600" y="2209801"/>
+            <a:ext cx="8534400" cy="4267200"/>
+          </a:xfrm>
+          <a:prstGeom prst="rect">
+            <a:avLst/>
+          </a:prstGeom>
+        </p:spPr>
+      </p:pic>
+    </p:spTree>
+  </p:cSld>
+  <p:clrMapOvr>
+    <a:masterClrMapping/>
+  </p:clrMapOvr>
+</p:sld>
+</file>
+
 <file path=ppt/slides/slide2.xml><?xml version="1.0" encoding="utf-8"?>
 <p:sld xmlns:a="http://schemas.openxmlformats.org/drawingml/2006/main" xmlns:r="http://schemas.openxmlformats.org/officeDocument/2006/relationships" xmlns:p="http://schemas.openxmlformats.org/presentationml/2006/main">
   <p:cSld>

--- a/g10.pptx
+++ b/g10.pptx
@@ -13,16 +13,15 @@
     <p:sldId id="262" r:id="rId7"/>
     <p:sldId id="263" r:id="rId8"/>
     <p:sldId id="267" r:id="rId9"/>
-    <p:sldId id="272" r:id="rId10"/>
-    <p:sldId id="268" r:id="rId11"/>
-    <p:sldId id="269" r:id="rId12"/>
-    <p:sldId id="270" r:id="rId13"/>
-    <p:sldId id="271" r:id="rId14"/>
-    <p:sldId id="273" r:id="rId15"/>
-    <p:sldId id="274" r:id="rId16"/>
-    <p:sldId id="275" r:id="rId17"/>
-    <p:sldId id="276" r:id="rId18"/>
-    <p:sldId id="277" r:id="rId19"/>
+    <p:sldId id="268" r:id="rId10"/>
+    <p:sldId id="269" r:id="rId11"/>
+    <p:sldId id="270" r:id="rId12"/>
+    <p:sldId id="271" r:id="rId13"/>
+    <p:sldId id="273" r:id="rId14"/>
+    <p:sldId id="274" r:id="rId15"/>
+    <p:sldId id="275" r:id="rId16"/>
+    <p:sldId id="276" r:id="rId17"/>
+    <p:sldId id="277" r:id="rId18"/>
   </p:sldIdLst>
   <p:sldSz cx="9144000" cy="6858000" type="screen4x3"/>
   <p:notesSz cx="6858000" cy="9144000"/>
@@ -262,7 +261,7 @@
             <a:fld id="{1D8BD707-D9CF-40AE-B4C6-C98DA3205C09}" type="datetimeFigureOut">
               <a:rPr lang="en-US" smtClean="0"/>
               <a:pPr/>
-              <a:t>5/21/2014</a:t>
+              <a:t>5/22/2014</a:t>
             </a:fld>
             <a:endParaRPr lang="en-US"/>
           </a:p>
@@ -1133,7 +1132,7 @@
             <a:fld id="{1D8BD707-D9CF-40AE-B4C6-C98DA3205C09}" type="datetimeFigureOut">
               <a:rPr lang="en-US" smtClean="0"/>
               <a:pPr/>
-              <a:t>5/21/2014</a:t>
+              <a:t>5/22/2014</a:t>
             </a:fld>
             <a:endParaRPr lang="en-US"/>
           </a:p>
@@ -1310,7 +1309,7 @@
             <a:fld id="{1D8BD707-D9CF-40AE-B4C6-C98DA3205C09}" type="datetimeFigureOut">
               <a:rPr lang="en-US" smtClean="0"/>
               <a:pPr/>
-              <a:t>5/21/2014</a:t>
+              <a:t>5/22/2014</a:t>
             </a:fld>
             <a:endParaRPr lang="en-US"/>
           </a:p>
@@ -1482,7 +1481,7 @@
             <a:fld id="{1D8BD707-D9CF-40AE-B4C6-C98DA3205C09}" type="datetimeFigureOut">
               <a:rPr lang="en-US" smtClean="0"/>
               <a:pPr/>
-              <a:t>5/21/2014</a:t>
+              <a:t>5/22/2014</a:t>
             </a:fld>
             <a:endParaRPr lang="en-US"/>
           </a:p>
@@ -1694,7 +1693,7 @@
             <a:fld id="{1D8BD707-D9CF-40AE-B4C6-C98DA3205C09}" type="datetimeFigureOut">
               <a:rPr lang="en-US" smtClean="0"/>
               <a:pPr/>
-              <a:t>5/21/2014</a:t>
+              <a:t>5/22/2014</a:t>
             </a:fld>
             <a:endParaRPr lang="en-US"/>
           </a:p>
@@ -2510,7 +2509,7 @@
             <a:fld id="{1D8BD707-D9CF-40AE-B4C6-C98DA3205C09}" type="datetimeFigureOut">
               <a:rPr lang="en-US" smtClean="0"/>
               <a:pPr/>
-              <a:t>5/21/2014</a:t>
+              <a:t>5/22/2014</a:t>
             </a:fld>
             <a:endParaRPr lang="en-US"/>
           </a:p>
@@ -2748,7 +2747,7 @@
             <a:fld id="{1D8BD707-D9CF-40AE-B4C6-C98DA3205C09}" type="datetimeFigureOut">
               <a:rPr lang="en-US" smtClean="0"/>
               <a:pPr/>
-              <a:t>5/21/2014</a:t>
+              <a:t>5/22/2014</a:t>
             </a:fld>
             <a:endParaRPr lang="en-US"/>
           </a:p>
@@ -3073,7 +3072,7 @@
             <a:fld id="{1D8BD707-D9CF-40AE-B4C6-C98DA3205C09}" type="datetimeFigureOut">
               <a:rPr lang="en-US" smtClean="0"/>
               <a:pPr/>
-              <a:t>5/21/2014</a:t>
+              <a:t>5/22/2014</a:t>
             </a:fld>
             <a:endParaRPr lang="en-US"/>
           </a:p>
@@ -3165,7 +3164,7 @@
             <a:fld id="{1D8BD707-D9CF-40AE-B4C6-C98DA3205C09}" type="datetimeFigureOut">
               <a:rPr lang="en-US" smtClean="0"/>
               <a:pPr/>
-              <a:t>5/21/2014</a:t>
+              <a:t>5/22/2014</a:t>
             </a:fld>
             <a:endParaRPr lang="en-US"/>
           </a:p>
@@ -3684,7 +3683,7 @@
             <a:fld id="{1D8BD707-D9CF-40AE-B4C6-C98DA3205C09}" type="datetimeFigureOut">
               <a:rPr lang="en-US" smtClean="0"/>
               <a:pPr/>
-              <a:t>5/21/2014</a:t>
+              <a:t>5/22/2014</a:t>
             </a:fld>
             <a:endParaRPr lang="en-US"/>
           </a:p>
@@ -4197,7 +4196,7 @@
             <a:fld id="{1D8BD707-D9CF-40AE-B4C6-C98DA3205C09}" type="datetimeFigureOut">
               <a:rPr lang="en-US" smtClean="0"/>
               <a:pPr/>
-              <a:t>5/21/2014</a:t>
+              <a:t>5/22/2014</a:t>
             </a:fld>
             <a:endParaRPr lang="en-US"/>
           </a:p>
@@ -4444,7 +4443,7 @@
             <a:fld id="{1D8BD707-D9CF-40AE-B4C6-C98DA3205C09}" type="datetimeFigureOut">
               <a:rPr lang="en-US" smtClean="0"/>
               <a:pPr/>
-              <a:t>5/21/2014</a:t>
+              <a:t>5/22/2014</a:t>
             </a:fld>
             <a:endParaRPr lang="en-US"/>
           </a:p>
@@ -5296,7 +5295,7 @@
         <p:spPr/>
         <p:txBody>
           <a:bodyPr>
-            <a:normAutofit/>
+            <a:normAutofit lnSpcReduction="10000"/>
           </a:bodyPr>
           <a:lstStyle/>
           <a:p>
@@ -5310,7 +5309,7 @@
                   </a:outerShdw>
                 </a:effectLst>
               </a:rPr>
-              <a:t>Sprint 7</a:t>
+              <a:t>Sprint 8</a:t>
             </a:r>
             <a:r>
               <a:rPr lang="en-US" sz="2000" b="1" baseline="30000" dirty="0" smtClean="0">
@@ -5334,13 +5333,13 @@
                   </a:outerShdw>
                 </a:effectLst>
               </a:rPr>
-              <a:t> : Adding, Editing , Deleting User Account</a:t>
+              <a:t> : Create Tools, decorate the drawing page interface </a:t>
             </a:r>
           </a:p>
           <a:p>
             <a:r>
               <a:rPr lang="en-US" sz="2000" dirty="0" smtClean="0"/>
-              <a:t>Begin : 8th week</a:t>
+              <a:t>Begin : 9th week</a:t>
             </a:r>
           </a:p>
           <a:p>
@@ -5363,28 +5362,21 @@
             <a:pPr lvl="1"/>
             <a:r>
               <a:rPr lang="en-US" sz="1800" dirty="0" smtClean="0"/>
-              <a:t>User be able to create a new account</a:t>
+              <a:t>Implement some tools support for user when drawing page , such as easer , image..</a:t>
             </a:r>
           </a:p>
           <a:p>
             <a:pPr lvl="1"/>
             <a:r>
               <a:rPr lang="en-US" sz="1800" dirty="0" smtClean="0"/>
-              <a:t>Editing account , including name, email..in profile</a:t>
-            </a:r>
-          </a:p>
-          <a:p>
-            <a:pPr lvl="1"/>
-            <a:r>
-              <a:rPr lang="en-US" sz="1700" dirty="0" smtClean="0"/>
-              <a:t>Deleting unused account</a:t>
+              <a:t>Decorate page interface</a:t>
             </a:r>
             <a:endParaRPr lang="en-US" dirty="0" smtClean="0"/>
           </a:p>
           <a:p>
             <a:r>
               <a:rPr lang="en-US" sz="2000" dirty="0" smtClean="0"/>
-              <a:t>Responsibility for : Nguyen </a:t>
+              <a:t>Responsibility for : Trinh </a:t>
             </a:r>
             <a:r>
               <a:rPr lang="en-US" sz="2000" dirty="0" err="1" smtClean="0"/>
@@ -5392,13 +5384,8 @@
             </a:r>
             <a:r>
               <a:rPr lang="en-US" sz="2000" dirty="0" smtClean="0"/>
-              <a:t> </a:t>
-            </a:r>
-            <a:r>
-              <a:rPr lang="en-US" sz="2000" dirty="0" err="1" smtClean="0"/>
-              <a:t>Thuy</a:t>
-            </a:r>
-            <a:endParaRPr lang="en-US" sz="2000" dirty="0" smtClean="0"/>
+              <a:t> Thu</a:t>
+            </a:r>
           </a:p>
           <a:p>
             <a:r>
@@ -5410,20 +5397,45 @@
             <a:pPr lvl="1"/>
             <a:r>
               <a:rPr lang="en-US" sz="1700" dirty="0" smtClean="0"/>
-              <a:t>Essentially complete</a:t>
+              <a:t>Several steps completed</a:t>
             </a:r>
           </a:p>
           <a:p>
             <a:pPr lvl="1"/>
             <a:r>
               <a:rPr lang="en-US" sz="1700" dirty="0" smtClean="0"/>
-              <a:t>Problems  : smell code , testing , stick user with </a:t>
-            </a:r>
-            <a:r>
-              <a:rPr lang="en-US" sz="1700" dirty="0" err="1" smtClean="0"/>
-              <a:t>mindmap</a:t>
-            </a:r>
-            <a:endParaRPr lang="en-US" sz="1700" dirty="0" smtClean="0"/>
+              <a:t>Problems  :</a:t>
+            </a:r>
+          </a:p>
+          <a:p>
+            <a:pPr lvl="2"/>
+            <a:r>
+              <a:rPr lang="en-US" sz="1400" dirty="0" smtClean="0"/>
+              <a:t> not easy for testing html, </a:t>
+            </a:r>
+            <a:r>
+              <a:rPr lang="en-US" sz="1400" dirty="0" err="1" smtClean="0"/>
+              <a:t>css</a:t>
+            </a:r>
+            <a:r>
+              <a:rPr lang="en-US" sz="1400" dirty="0" smtClean="0"/>
+              <a:t>, </a:t>
+            </a:r>
+            <a:r>
+              <a:rPr lang="en-US" sz="1400" dirty="0" err="1" smtClean="0"/>
+              <a:t>boostrap</a:t>
+            </a:r>
+            <a:r>
+              <a:rPr lang="en-US" sz="1400" dirty="0" smtClean="0"/>
+              <a:t> </a:t>
+            </a:r>
+          </a:p>
+          <a:p>
+            <a:pPr lvl="2"/>
+            <a:r>
+              <a:rPr lang="en-US" sz="1400" dirty="0" smtClean="0"/>
+              <a:t>Implement may be difficult</a:t>
+            </a:r>
           </a:p>
           <a:p>
             <a:r>
@@ -5497,7 +5509,7 @@
         <p:spPr/>
         <p:txBody>
           <a:bodyPr>
-            <a:normAutofit lnSpcReduction="10000"/>
+            <a:normAutofit/>
           </a:bodyPr>
           <a:lstStyle/>
           <a:p>
@@ -5511,7 +5523,7 @@
                   </a:outerShdw>
                 </a:effectLst>
               </a:rPr>
-              <a:t>Sprint 8</a:t>
+              <a:t>Sprint 9</a:t>
             </a:r>
             <a:r>
               <a:rPr lang="en-US" sz="2000" b="1" baseline="30000" dirty="0" smtClean="0">
@@ -5535,22 +5547,30 @@
                   </a:outerShdw>
                 </a:effectLst>
               </a:rPr>
-              <a:t> : Create Tools, decorate the drawing page interface </a:t>
+              <a:t> : Adding feature for users</a:t>
             </a:r>
           </a:p>
           <a:p>
             <a:r>
               <a:rPr lang="en-US" sz="2000" dirty="0" smtClean="0"/>
-              <a:t>Begin : 9th week</a:t>
+              <a:t>Begin : 10th week</a:t>
             </a:r>
           </a:p>
           <a:p>
             <a:r>
               <a:rPr lang="en-US" sz="2000" dirty="0" smtClean="0"/>
-              <a:t>Status : done</a:t>
-            </a:r>
-          </a:p>
-          <a:p>
+              <a:t>Status : doing</a:t>
+            </a:r>
+          </a:p>
+          <a:p>
+            <a:pPr marL="274320" lvl="1">
+              <a:spcBef>
+                <a:spcPts val="600"/>
+              </a:spcBef>
+              <a:buSzPct val="70000"/>
+              <a:buFont typeface="Wingdings"/>
+              <a:buChar char=""/>
+            </a:pPr>
             <a:r>
               <a:rPr lang="en-US" sz="2000" dirty="0" smtClean="0"/>
               <a:t>Goals </a:t>
@@ -5561,32 +5581,52 @@
             </a:r>
           </a:p>
           <a:p>
+            <a:pPr marL="548640" lvl="2">
+              <a:spcBef>
+                <a:spcPts val="600"/>
+              </a:spcBef>
+              <a:buSzPct val="70000"/>
+            </a:pPr>
+            <a:r>
+              <a:rPr lang="en-US" sz="1700" dirty="0" smtClean="0"/>
+              <a:t>This apps be able to login with social network account such as </a:t>
+            </a:r>
+            <a:r>
+              <a:rPr lang="en-US" sz="1700" dirty="0" err="1" smtClean="0"/>
+              <a:t>facebook</a:t>
+            </a:r>
+            <a:r>
+              <a:rPr lang="en-US" sz="1700" dirty="0" smtClean="0"/>
+              <a:t>, </a:t>
+            </a:r>
+            <a:r>
+              <a:rPr lang="en-US" sz="1700" dirty="0" err="1" smtClean="0"/>
+              <a:t>gmail</a:t>
+            </a:r>
+            <a:r>
+              <a:rPr lang="en-US" sz="1700" dirty="0" smtClean="0"/>
+              <a:t>..</a:t>
+            </a:r>
+          </a:p>
+          <a:p>
             <a:pPr lvl="1"/>
             <a:r>
               <a:rPr lang="en-US" sz="1800" dirty="0" smtClean="0"/>
-              <a:t>Implement some tools support for user when drawing page , such as easer , image..</a:t>
-            </a:r>
-          </a:p>
-          <a:p>
-            <a:pPr lvl="1"/>
-            <a:r>
-              <a:rPr lang="en-US" sz="1800" dirty="0" smtClean="0"/>
-              <a:t>Decorate page interface</a:t>
-            </a:r>
-            <a:endParaRPr lang="en-US" dirty="0" smtClean="0"/>
+              <a:t>This apps can get user information from the other account</a:t>
+            </a:r>
           </a:p>
           <a:p>
             <a:r>
               <a:rPr lang="en-US" sz="2000" dirty="0" smtClean="0"/>
-              <a:t>Responsibility for : Trinh </a:t>
+              <a:t>Responsibility for : Dao </a:t>
             </a:r>
             <a:r>
               <a:rPr lang="en-US" sz="2000" dirty="0" err="1" smtClean="0"/>
-              <a:t>Thi</a:t>
+              <a:t>Hai</a:t>
             </a:r>
             <a:r>
               <a:rPr lang="en-US" sz="2000" dirty="0" smtClean="0"/>
-              <a:t> Thu</a:t>
+              <a:t> Long</a:t>
             </a:r>
           </a:p>
           <a:p>
@@ -5606,37 +5646,7 @@
             <a:pPr lvl="1"/>
             <a:r>
               <a:rPr lang="en-US" sz="1700" dirty="0" smtClean="0"/>
-              <a:t>Problems  :</a:t>
-            </a:r>
-          </a:p>
-          <a:p>
-            <a:pPr lvl="2"/>
-            <a:r>
-              <a:rPr lang="en-US" sz="1400" dirty="0" smtClean="0"/>
-              <a:t> not easy for testing html, </a:t>
-            </a:r>
-            <a:r>
-              <a:rPr lang="en-US" sz="1400" dirty="0" err="1" smtClean="0"/>
-              <a:t>css</a:t>
-            </a:r>
-            <a:r>
-              <a:rPr lang="en-US" sz="1400" dirty="0" smtClean="0"/>
-              <a:t>, </a:t>
-            </a:r>
-            <a:r>
-              <a:rPr lang="en-US" sz="1400" dirty="0" err="1" smtClean="0"/>
-              <a:t>boostrap</a:t>
-            </a:r>
-            <a:r>
-              <a:rPr lang="en-US" sz="1400" dirty="0" smtClean="0"/>
-              <a:t> </a:t>
-            </a:r>
-          </a:p>
-          <a:p>
-            <a:pPr lvl="2"/>
-            <a:r>
-              <a:rPr lang="en-US" sz="1400" dirty="0" smtClean="0"/>
-              <a:t>Implement may be difficult</a:t>
+              <a:t>Problems  : several problems about interface, links </a:t>
             </a:r>
           </a:p>
           <a:p>
@@ -5710,9 +5720,7 @@
         </p:nvSpPr>
         <p:spPr/>
         <p:txBody>
-          <a:bodyPr>
-            <a:normAutofit/>
-          </a:bodyPr>
+          <a:bodyPr/>
           <a:lstStyle/>
           <a:p>
             <a:r>
@@ -5725,7 +5733,7 @@
                   </a:outerShdw>
                 </a:effectLst>
               </a:rPr>
-              <a:t>Sprint 9</a:t>
+              <a:t>Sprint 10</a:t>
             </a:r>
             <a:r>
               <a:rPr lang="en-US" sz="2000" b="1" baseline="30000" dirty="0" smtClean="0">
@@ -5749,13 +5757,37 @@
                   </a:outerShdw>
                 </a:effectLst>
               </a:rPr>
-              <a:t> : Adding feature for users</a:t>
+              <a:t> : Complete </a:t>
+            </a:r>
+            <a:r>
+              <a:rPr lang="en-US" sz="2000" b="1" dirty="0" err="1" smtClean="0">
+                <a:effectLst>
+                  <a:outerShdw blurRad="38100" dist="38100" dir="2700000" algn="tl">
+                    <a:srgbClr val="000000">
+                      <a:alpha val="43137"/>
+                    </a:srgbClr>
+                  </a:outerShdw>
+                </a:effectLst>
+              </a:rPr>
+              <a:t>mindmap</a:t>
+            </a:r>
+            <a:r>
+              <a:rPr lang="en-US" sz="2000" b="1" dirty="0" smtClean="0">
+                <a:effectLst>
+                  <a:outerShdw blurRad="38100" dist="38100" dir="2700000" algn="tl">
+                    <a:srgbClr val="000000">
+                      <a:alpha val="43137"/>
+                    </a:srgbClr>
+                  </a:outerShdw>
+                </a:effectLst>
+              </a:rPr>
+              <a:t> features</a:t>
             </a:r>
           </a:p>
           <a:p>
             <a:r>
               <a:rPr lang="en-US" sz="2000" dirty="0" smtClean="0"/>
-              <a:t>Begin : 10th week</a:t>
+              <a:t>Begin : week 12th</a:t>
             </a:r>
           </a:p>
           <a:p>
@@ -5790,45 +5822,30 @@
               <a:buSzPct val="70000"/>
             </a:pPr>
             <a:r>
-              <a:rPr lang="en-US" sz="1700" dirty="0" smtClean="0"/>
-              <a:t>This apps be able to login with social network account such as </a:t>
-            </a:r>
-            <a:r>
-              <a:rPr lang="en-US" sz="1700" dirty="0" err="1" smtClean="0"/>
-              <a:t>facebook</a:t>
-            </a:r>
-            <a:r>
-              <a:rPr lang="en-US" sz="1700" dirty="0" smtClean="0"/>
-              <a:t>, </a:t>
-            </a:r>
-            <a:r>
-              <a:rPr lang="en-US" sz="1700" dirty="0" err="1" smtClean="0"/>
-              <a:t>gmail</a:t>
-            </a:r>
-            <a:r>
-              <a:rPr lang="en-US" sz="1700" dirty="0" smtClean="0"/>
-              <a:t>..</a:t>
-            </a:r>
-          </a:p>
-          <a:p>
-            <a:pPr lvl="1"/>
-            <a:r>
-              <a:rPr lang="en-US" sz="1800" dirty="0" smtClean="0"/>
-              <a:t>This apps can get user information from the other account</a:t>
+              <a:rPr lang="en-US" dirty="0" smtClean="0"/>
+              <a:t>Complete several features for </a:t>
+            </a:r>
+            <a:r>
+              <a:rPr lang="en-US" dirty="0" err="1" smtClean="0"/>
+              <a:t>mindmap</a:t>
+            </a:r>
+            <a:r>
+              <a:rPr lang="en-US" dirty="0" smtClean="0"/>
+              <a:t> such as share </a:t>
+            </a:r>
+            <a:r>
+              <a:rPr lang="en-US" dirty="0" err="1" smtClean="0"/>
+              <a:t>mindmap</a:t>
+            </a:r>
+            <a:r>
+              <a:rPr lang="en-US" dirty="0" smtClean="0"/>
+              <a:t> on social network </a:t>
             </a:r>
           </a:p>
           <a:p>
             <a:r>
               <a:rPr lang="en-US" sz="2000" dirty="0" smtClean="0"/>
-              <a:t>Responsibility for : Dao </a:t>
-            </a:r>
-            <a:r>
-              <a:rPr lang="en-US" sz="2000" dirty="0" err="1" smtClean="0"/>
-              <a:t>Hai</a:t>
-            </a:r>
-            <a:r>
-              <a:rPr lang="en-US" sz="2000" dirty="0" smtClean="0"/>
-              <a:t> Long</a:t>
+              <a:t>Responsibility for : all members</a:t>
             </a:r>
           </a:p>
           <a:p>
@@ -5840,15 +5857,47 @@
           <a:p>
             <a:pPr lvl="1"/>
             <a:r>
-              <a:rPr lang="en-US" sz="1700" dirty="0" smtClean="0"/>
-              <a:t>Several steps completed</a:t>
+              <a:rPr lang="en-US" sz="1800" dirty="0" smtClean="0"/>
+              <a:t>Complete testing , </a:t>
+            </a:r>
+            <a:r>
+              <a:rPr lang="en-US" sz="1800" dirty="0" err="1" smtClean="0"/>
+              <a:t>refactor</a:t>
+            </a:r>
+            <a:r>
+              <a:rPr lang="en-US" sz="1800" dirty="0" smtClean="0"/>
+              <a:t> code </a:t>
             </a:r>
           </a:p>
           <a:p>
             <a:pPr lvl="1"/>
             <a:r>
-              <a:rPr lang="en-US" sz="1700" dirty="0" smtClean="0"/>
-              <a:t>Problems  : several problems about interface, links </a:t>
+              <a:rPr lang="en-US" sz="1800" dirty="0" smtClean="0"/>
+              <a:t>Problems : fixing </a:t>
+            </a:r>
+            <a:r>
+              <a:rPr lang="en-US" sz="1800" dirty="0" err="1" smtClean="0"/>
+              <a:t>conflix</a:t>
+            </a:r>
+            <a:r>
+              <a:rPr lang="en-US" sz="1800" dirty="0" smtClean="0"/>
+              <a:t> </a:t>
+            </a:r>
+            <a:r>
+              <a:rPr lang="en-US" sz="1800" dirty="0" err="1" smtClean="0"/>
+              <a:t>conflic</a:t>
+            </a:r>
+            <a:r>
+              <a:rPr lang="en-US" sz="1800" dirty="0" smtClean="0"/>
+              <a:t> </a:t>
+            </a:r>
+            <a:r>
+              <a:rPr lang="en-US" sz="1800" dirty="0" err="1" smtClean="0"/>
+              <a:t>beacause</a:t>
+            </a:r>
+            <a:r>
+              <a:rPr lang="en-US" sz="1800" dirty="0" smtClean="0"/>
+              <a:t> of relative features</a:t>
             </a:r>
           </a:p>
           <a:p>
@@ -5910,209 +5959,29 @@
           </a:p>
         </p:txBody>
       </p:sp>
-      <p:sp>
-        <p:nvSpPr>
-          <p:cNvPr id="3" name="Content Placeholder 2"/>
-          <p:cNvSpPr>
-            <a:spLocks noGrp="1"/>
-          </p:cNvSpPr>
+      <p:pic>
+        <p:nvPicPr>
+          <p:cNvPr id="4" name="Content Placeholder 3" descr="10268482_302130529943052_6756629178182880453_n.jpg"/>
+          <p:cNvPicPr>
+            <a:picLocks noGrp="1" noChangeAspect="1"/>
+          </p:cNvPicPr>
           <p:nvPr>
             <p:ph sz="quarter" idx="1"/>
           </p:nvPr>
-        </p:nvSpPr>
-        <p:spPr/>
-        <p:txBody>
-          <a:bodyPr/>
-          <a:lstStyle/>
-          <a:p>
-            <a:r>
-              <a:rPr lang="en-US" sz="2000" b="1" dirty="0" smtClean="0">
-                <a:effectLst>
-                  <a:outerShdw blurRad="38100" dist="38100" dir="2700000" algn="tl">
-                    <a:srgbClr val="000000">
-                      <a:alpha val="43137"/>
-                    </a:srgbClr>
-                  </a:outerShdw>
-                </a:effectLst>
-              </a:rPr>
-              <a:t>Sprint 10</a:t>
-            </a:r>
-            <a:r>
-              <a:rPr lang="en-US" sz="2000" b="1" baseline="30000" dirty="0" smtClean="0">
-                <a:effectLst>
-                  <a:outerShdw blurRad="38100" dist="38100" dir="2700000" algn="tl">
-                    <a:srgbClr val="000000">
-                      <a:alpha val="43137"/>
-                    </a:srgbClr>
-                  </a:outerShdw>
-                </a:effectLst>
-              </a:rPr>
-              <a:t>th</a:t>
-            </a:r>
-            <a:r>
-              <a:rPr lang="en-US" sz="2000" b="1" dirty="0" smtClean="0">
-                <a:effectLst>
-                  <a:outerShdw blurRad="38100" dist="38100" dir="2700000" algn="tl">
-                    <a:srgbClr val="000000">
-                      <a:alpha val="43137"/>
-                    </a:srgbClr>
-                  </a:outerShdw>
-                </a:effectLst>
-              </a:rPr>
-              <a:t> : Complete </a:t>
-            </a:r>
-            <a:r>
-              <a:rPr lang="en-US" sz="2000" b="1" dirty="0" err="1" smtClean="0">
-                <a:effectLst>
-                  <a:outerShdw blurRad="38100" dist="38100" dir="2700000" algn="tl">
-                    <a:srgbClr val="000000">
-                      <a:alpha val="43137"/>
-                    </a:srgbClr>
-                  </a:outerShdw>
-                </a:effectLst>
-              </a:rPr>
-              <a:t>mindmap</a:t>
-            </a:r>
-            <a:r>
-              <a:rPr lang="en-US" sz="2000" b="1" dirty="0" smtClean="0">
-                <a:effectLst>
-                  <a:outerShdw blurRad="38100" dist="38100" dir="2700000" algn="tl">
-                    <a:srgbClr val="000000">
-                      <a:alpha val="43137"/>
-                    </a:srgbClr>
-                  </a:outerShdw>
-                </a:effectLst>
-              </a:rPr>
-              <a:t> features</a:t>
-            </a:r>
-          </a:p>
-          <a:p>
-            <a:r>
-              <a:rPr lang="en-US" sz="2000" dirty="0" smtClean="0"/>
-              <a:t>Begin : week 12th</a:t>
-            </a:r>
-          </a:p>
-          <a:p>
-            <a:r>
-              <a:rPr lang="en-US" sz="2000" dirty="0" smtClean="0"/>
-              <a:t>Status : doing</a:t>
-            </a:r>
-          </a:p>
-          <a:p>
-            <a:pPr marL="274320" lvl="1">
-              <a:spcBef>
-                <a:spcPts val="600"/>
-              </a:spcBef>
-              <a:buSzPct val="70000"/>
-              <a:buFont typeface="Wingdings"/>
-              <a:buChar char=""/>
-            </a:pPr>
-            <a:r>
-              <a:rPr lang="en-US" sz="2000" dirty="0" smtClean="0"/>
-              <a:t>Goals </a:t>
-            </a:r>
-            <a:r>
-              <a:rPr lang="en-US" dirty="0" smtClean="0"/>
-              <a:t>:</a:t>
-            </a:r>
-          </a:p>
-          <a:p>
-            <a:pPr marL="548640" lvl="2">
-              <a:spcBef>
-                <a:spcPts val="600"/>
-              </a:spcBef>
-              <a:buSzPct val="70000"/>
-            </a:pPr>
-            <a:r>
-              <a:rPr lang="en-US" dirty="0" smtClean="0"/>
-              <a:t>Complete several features for </a:t>
-            </a:r>
-            <a:r>
-              <a:rPr lang="en-US" dirty="0" err="1" smtClean="0"/>
-              <a:t>mindmap</a:t>
-            </a:r>
-            <a:r>
-              <a:rPr lang="en-US" dirty="0" smtClean="0"/>
-              <a:t> such as share </a:t>
-            </a:r>
-            <a:r>
-              <a:rPr lang="en-US" dirty="0" err="1" smtClean="0"/>
-              <a:t>mindmap</a:t>
-            </a:r>
-            <a:r>
-              <a:rPr lang="en-US" dirty="0" smtClean="0"/>
-              <a:t> on social network </a:t>
-            </a:r>
-          </a:p>
-          <a:p>
-            <a:r>
-              <a:rPr lang="en-US" sz="2000" dirty="0" smtClean="0"/>
-              <a:t>Responsibility for : all members</a:t>
-            </a:r>
-          </a:p>
-          <a:p>
-            <a:r>
-              <a:rPr lang="en-US" sz="2000" dirty="0" smtClean="0"/>
-              <a:t>Result :</a:t>
-            </a:r>
-          </a:p>
-          <a:p>
-            <a:pPr lvl="1"/>
-            <a:r>
-              <a:rPr lang="en-US" sz="1800" dirty="0" smtClean="0"/>
-              <a:t>Complete testing , </a:t>
-            </a:r>
-            <a:r>
-              <a:rPr lang="en-US" sz="1800" dirty="0" err="1" smtClean="0"/>
-              <a:t>refactor</a:t>
-            </a:r>
-            <a:r>
-              <a:rPr lang="en-US" sz="1800" dirty="0" smtClean="0"/>
-              <a:t> code </a:t>
-            </a:r>
-          </a:p>
-          <a:p>
-            <a:pPr lvl="1"/>
-            <a:r>
-              <a:rPr lang="en-US" sz="1800" dirty="0" smtClean="0"/>
-              <a:t>Problems : fixing </a:t>
-            </a:r>
-            <a:r>
-              <a:rPr lang="en-US" sz="1800" dirty="0" err="1" smtClean="0"/>
-              <a:t>conflix</a:t>
-            </a:r>
-            <a:r>
-              <a:rPr lang="en-US" sz="1800" dirty="0" smtClean="0"/>
-              <a:t> </a:t>
-            </a:r>
-            <a:r>
-              <a:rPr lang="en-US" sz="1800" dirty="0" err="1" smtClean="0"/>
-              <a:t>conflic</a:t>
-            </a:r>
-            <a:r>
-              <a:rPr lang="en-US" sz="1800" dirty="0" smtClean="0"/>
-              <a:t> </a:t>
-            </a:r>
-            <a:r>
-              <a:rPr lang="en-US" sz="1800" dirty="0" err="1" smtClean="0"/>
-              <a:t>beacause</a:t>
-            </a:r>
-            <a:r>
-              <a:rPr lang="en-US" sz="1800" dirty="0" smtClean="0"/>
-              <a:t> of relative features</a:t>
-            </a:r>
-          </a:p>
-          <a:p>
-            <a:r>
-              <a:rPr lang="en-US" sz="2000" dirty="0" smtClean="0"/>
-              <a:t>Member’s enthusiasm : good</a:t>
-            </a:r>
-          </a:p>
-          <a:p>
-            <a:endParaRPr lang="vi-VN" dirty="0"/>
-          </a:p>
-        </p:txBody>
-      </p:sp>
+        </p:nvPicPr>
+        <p:blipFill>
+          <a:blip r:embed="rId2"/>
+          <a:stretch>
+            <a:fillRect/>
+          </a:stretch>
+        </p:blipFill>
+        <p:spPr>
+          <a:xfrm>
+            <a:off x="762000" y="1524000"/>
+            <a:ext cx="7391400" cy="4427537"/>
+          </a:xfrm>
+        </p:spPr>
+      </p:pic>
     </p:spTree>
   </p:cSld>
   <p:clrMapOvr>
@@ -6161,15 +6030,40 @@
           </a:p>
         </p:txBody>
       </p:sp>
+      <p:sp>
+        <p:nvSpPr>
+          <p:cNvPr id="3" name="Content Placeholder 2"/>
+          <p:cNvSpPr>
+            <a:spLocks noGrp="1"/>
+          </p:cNvSpPr>
+          <p:nvPr>
+            <p:ph sz="quarter" idx="1"/>
+          </p:nvPr>
+        </p:nvSpPr>
+        <p:spPr/>
+        <p:txBody>
+          <a:bodyPr>
+            <a:normAutofit/>
+          </a:bodyPr>
+          <a:lstStyle/>
+          <a:p>
+            <a:r>
+              <a:rPr lang="en-US" sz="2000" dirty="0" smtClean="0"/>
+              <a:t>Using Lint for Ruby on Rails</a:t>
+            </a:r>
+          </a:p>
+          <a:p>
+            <a:endParaRPr lang="vi-VN" sz="2000" dirty="0"/>
+          </a:p>
+        </p:txBody>
+      </p:sp>
       <p:pic>
         <p:nvPicPr>
-          <p:cNvPr id="4" name="Content Placeholder 3" descr="10268482_302130529943052_6756629178182880453_n.jpg"/>
+          <p:cNvPr id="4" name="Picture 3" descr="javascript_before.png"/>
           <p:cNvPicPr>
-            <a:picLocks noGrp="1" noChangeAspect="1"/>
+            <a:picLocks noChangeAspect="1"/>
           </p:cNvPicPr>
-          <p:nvPr>
-            <p:ph sz="quarter" idx="1"/>
-          </p:nvPr>
+          <p:nvPr/>
         </p:nvPicPr>
         <p:blipFill>
           <a:blip r:embed="rId2"/>
@@ -6179,9 +6073,12 @@
         </p:blipFill>
         <p:spPr>
           <a:xfrm>
-            <a:off x="762000" y="1524000"/>
-            <a:ext cx="7391400" cy="4427537"/>
-          </a:xfrm>
+            <a:off x="457200" y="1981200"/>
+            <a:ext cx="8001000" cy="4686954"/>
+          </a:xfrm>
+          <a:prstGeom prst="rect">
+            <a:avLst/>
+          </a:prstGeom>
         </p:spPr>
       </p:pic>
     </p:spTree>
@@ -6232,40 +6129,15 @@
           </a:p>
         </p:txBody>
       </p:sp>
-      <p:sp>
-        <p:nvSpPr>
-          <p:cNvPr id="3" name="Content Placeholder 2"/>
-          <p:cNvSpPr>
-            <a:spLocks noGrp="1"/>
-          </p:cNvSpPr>
-          <p:nvPr>
-            <p:ph sz="quarter" idx="1"/>
-          </p:nvPr>
-        </p:nvSpPr>
-        <p:spPr/>
-        <p:txBody>
-          <a:bodyPr>
-            <a:normAutofit/>
-          </a:bodyPr>
-          <a:lstStyle/>
-          <a:p>
-            <a:r>
-              <a:rPr lang="en-US" sz="2000" dirty="0" smtClean="0"/>
-              <a:t>Using Lint for Ruby on Rails</a:t>
-            </a:r>
-          </a:p>
-          <a:p>
-            <a:endParaRPr lang="vi-VN" sz="2000" dirty="0"/>
-          </a:p>
-        </p:txBody>
-      </p:sp>
       <p:pic>
         <p:nvPicPr>
-          <p:cNvPr id="4" name="Picture 3" descr="javascript_before.png"/>
+          <p:cNvPr id="4" name="Content Placeholder 3" descr="javascript_after.png"/>
           <p:cNvPicPr>
-            <a:picLocks noChangeAspect="1"/>
+            <a:picLocks noGrp="1" noChangeAspect="1"/>
           </p:cNvPicPr>
-          <p:nvPr/>
+          <p:nvPr>
+            <p:ph sz="quarter" idx="1"/>
+          </p:nvPr>
         </p:nvPicPr>
         <p:blipFill>
           <a:blip r:embed="rId2"/>
@@ -6275,12 +6147,9 @@
         </p:blipFill>
         <p:spPr>
           <a:xfrm>
-            <a:off x="457200" y="1981200"/>
-            <a:ext cx="8001000" cy="4686954"/>
-          </a:xfrm>
-          <a:prstGeom prst="rect">
-            <a:avLst/>
-          </a:prstGeom>
+            <a:off x="585284" y="1693535"/>
+            <a:ext cx="7211432" cy="4686954"/>
+          </a:xfrm>
         </p:spPr>
       </p:pic>
     </p:spTree>
@@ -6331,15 +6200,42 @@
           </a:p>
         </p:txBody>
       </p:sp>
+      <p:sp>
+        <p:nvSpPr>
+          <p:cNvPr id="3" name="Content Placeholder 2"/>
+          <p:cNvSpPr>
+            <a:spLocks noGrp="1"/>
+          </p:cNvSpPr>
+          <p:nvPr>
+            <p:ph sz="quarter" idx="1"/>
+          </p:nvPr>
+        </p:nvSpPr>
+        <p:spPr/>
+        <p:txBody>
+          <a:bodyPr/>
+          <a:lstStyle/>
+          <a:p>
+            <a:r>
+              <a:rPr lang="en-US" dirty="0" smtClean="0"/>
+              <a:t>U</a:t>
+            </a:r>
+            <a:r>
+              <a:rPr lang="en-US" sz="2000" dirty="0" smtClean="0"/>
+              <a:t>ser case diagram</a:t>
+            </a:r>
+          </a:p>
+          <a:p>
+            <a:endParaRPr lang="vi-VN" sz="2000" dirty="0"/>
+          </a:p>
+        </p:txBody>
+      </p:sp>
       <p:pic>
         <p:nvPicPr>
-          <p:cNvPr id="4" name="Content Placeholder 3" descr="javascript_after.png"/>
+          <p:cNvPr id="5" name="Picture 4" descr="UseCase_Diagram.PNG"/>
           <p:cNvPicPr>
-            <a:picLocks noGrp="1" noChangeAspect="1"/>
+            <a:picLocks noChangeAspect="1"/>
           </p:cNvPicPr>
-          <p:nvPr>
-            <p:ph sz="quarter" idx="1"/>
-          </p:nvPr>
+          <p:nvPr/>
         </p:nvPicPr>
         <p:blipFill>
           <a:blip r:embed="rId2"/>
@@ -6349,9 +6245,12 @@
         </p:blipFill>
         <p:spPr>
           <a:xfrm>
-            <a:off x="585284" y="1693535"/>
-            <a:ext cx="7211432" cy="4686954"/>
-          </a:xfrm>
+            <a:off x="0" y="1828800"/>
+            <a:ext cx="9144000" cy="5029200"/>
+          </a:xfrm>
+          <a:prstGeom prst="rect">
+            <a:avLst/>
+          </a:prstGeom>
         </p:spPr>
       </p:pic>
     </p:spTree>
@@ -6414,107 +6313,6 @@
         </p:nvSpPr>
         <p:spPr/>
         <p:txBody>
-          <a:bodyPr/>
-          <a:lstStyle/>
-          <a:p>
-            <a:r>
-              <a:rPr lang="en-US" dirty="0" smtClean="0"/>
-              <a:t>U</a:t>
-            </a:r>
-            <a:r>
-              <a:rPr lang="en-US" sz="2000" dirty="0" smtClean="0"/>
-              <a:t>ser case diagram</a:t>
-            </a:r>
-          </a:p>
-          <a:p>
-            <a:endParaRPr lang="vi-VN" sz="2000" dirty="0"/>
-          </a:p>
-        </p:txBody>
-      </p:sp>
-      <p:pic>
-        <p:nvPicPr>
-          <p:cNvPr id="5" name="Picture 4" descr="UseCase_Diagram.PNG"/>
-          <p:cNvPicPr>
-            <a:picLocks noChangeAspect="1"/>
-          </p:cNvPicPr>
-          <p:nvPr/>
-        </p:nvPicPr>
-        <p:blipFill>
-          <a:blip r:embed="rId2"/>
-          <a:stretch>
-            <a:fillRect/>
-          </a:stretch>
-        </p:blipFill>
-        <p:spPr>
-          <a:xfrm>
-            <a:off x="0" y="1828800"/>
-            <a:ext cx="9144000" cy="5029200"/>
-          </a:xfrm>
-          <a:prstGeom prst="rect">
-            <a:avLst/>
-          </a:prstGeom>
-        </p:spPr>
-      </p:pic>
-    </p:spTree>
-  </p:cSld>
-  <p:clrMapOvr>
-    <a:masterClrMapping/>
-  </p:clrMapOvr>
-</p:sld>
-</file>
-
-<file path=ppt/slides/slide18.xml><?xml version="1.0" encoding="utf-8"?>
-<p:sld xmlns:a="http://schemas.openxmlformats.org/drawingml/2006/main" xmlns:r="http://schemas.openxmlformats.org/officeDocument/2006/relationships" xmlns:p="http://schemas.openxmlformats.org/presentationml/2006/main">
-  <p:cSld>
-    <p:spTree>
-      <p:nvGrpSpPr>
-        <p:cNvPr id="1" name=""/>
-        <p:cNvGrpSpPr/>
-        <p:nvPr/>
-      </p:nvGrpSpPr>
-      <p:grpSpPr>
-        <a:xfrm>
-          <a:off x="0" y="0"/>
-          <a:ext cx="0" cy="0"/>
-          <a:chOff x="0" y="0"/>
-          <a:chExt cx="0" cy="0"/>
-        </a:xfrm>
-      </p:grpSpPr>
-      <p:sp>
-        <p:nvSpPr>
-          <p:cNvPr id="2" name="Title 1"/>
-          <p:cNvSpPr>
-            <a:spLocks noGrp="1"/>
-          </p:cNvSpPr>
-          <p:nvPr>
-            <p:ph type="title"/>
-          </p:nvPr>
-        </p:nvSpPr>
-        <p:spPr/>
-        <p:txBody>
-          <a:bodyPr/>
-          <a:lstStyle/>
-          <a:p>
-            <a:r>
-              <a:rPr lang="en-US" dirty="0" err="1" smtClean="0"/>
-              <a:t>Mindmap</a:t>
-            </a:r>
-            <a:endParaRPr lang="vi-VN" dirty="0"/>
-          </a:p>
-        </p:txBody>
-      </p:sp>
-      <p:sp>
-        <p:nvSpPr>
-          <p:cNvPr id="3" name="Content Placeholder 2"/>
-          <p:cNvSpPr>
-            <a:spLocks noGrp="1"/>
-          </p:cNvSpPr>
-          <p:nvPr>
-            <p:ph sz="quarter" idx="1"/>
-          </p:nvPr>
-        </p:nvSpPr>
-        <p:spPr/>
-        <p:txBody>
           <a:bodyPr>
             <a:normAutofit/>
           </a:bodyPr>
@@ -8346,38 +8144,159 @@
           </a:p>
         </p:txBody>
       </p:sp>
-      <p:pic>
-        <p:nvPicPr>
-          <p:cNvPr id="4" name="Content Placeholder 3" descr="10360304_741460849230425_547973895_o.jpg"/>
-          <p:cNvPicPr>
-            <a:picLocks noGrp="1" noChangeAspect="1"/>
-          </p:cNvPicPr>
+      <p:sp>
+        <p:nvSpPr>
+          <p:cNvPr id="3" name="Content Placeholder 2"/>
+          <p:cNvSpPr>
+            <a:spLocks noGrp="1"/>
+          </p:cNvSpPr>
           <p:nvPr>
             <p:ph sz="quarter" idx="1"/>
           </p:nvPr>
-        </p:nvPicPr>
-        <p:blipFill>
-          <a:blip r:embed="rId2"/>
-          <a:stretch>
-            <a:fillRect/>
-          </a:stretch>
-        </p:blipFill>
-        <p:spPr>
-          <a:xfrm>
-            <a:off x="381000" y="1524000"/>
-            <a:ext cx="8229600" cy="5181600"/>
-          </a:xfrm>
-          <a:prstGeom prst="rect">
-            <a:avLst/>
-          </a:prstGeom>
-          <a:ln>
-            <a:noFill/>
-          </a:ln>
-          <a:effectLst>
-            <a:softEdge rad="112500"/>
-          </a:effectLst>
-        </p:spPr>
-      </p:pic>
+        </p:nvSpPr>
+        <p:spPr/>
+        <p:txBody>
+          <a:bodyPr>
+            <a:normAutofit/>
+          </a:bodyPr>
+          <a:lstStyle/>
+          <a:p>
+            <a:r>
+              <a:rPr lang="en-US" sz="2000" b="1" dirty="0" smtClean="0">
+                <a:effectLst>
+                  <a:outerShdw blurRad="38100" dist="38100" dir="2700000" algn="tl">
+                    <a:srgbClr val="000000">
+                      <a:alpha val="43137"/>
+                    </a:srgbClr>
+                  </a:outerShdw>
+                </a:effectLst>
+              </a:rPr>
+              <a:t>Sprint 7</a:t>
+            </a:r>
+            <a:r>
+              <a:rPr lang="en-US" sz="2000" b="1" baseline="30000" dirty="0" smtClean="0">
+                <a:effectLst>
+                  <a:outerShdw blurRad="38100" dist="38100" dir="2700000" algn="tl">
+                    <a:srgbClr val="000000">
+                      <a:alpha val="43137"/>
+                    </a:srgbClr>
+                  </a:outerShdw>
+                </a:effectLst>
+              </a:rPr>
+              <a:t>th</a:t>
+            </a:r>
+            <a:r>
+              <a:rPr lang="en-US" sz="2000" b="1" dirty="0" smtClean="0">
+                <a:effectLst>
+                  <a:outerShdw blurRad="38100" dist="38100" dir="2700000" algn="tl">
+                    <a:srgbClr val="000000">
+                      <a:alpha val="43137"/>
+                    </a:srgbClr>
+                  </a:outerShdw>
+                </a:effectLst>
+              </a:rPr>
+              <a:t> : Adding, Editing , Deleting User Account</a:t>
+            </a:r>
+          </a:p>
+          <a:p>
+            <a:r>
+              <a:rPr lang="en-US" sz="2000" dirty="0" smtClean="0"/>
+              <a:t>Begin : 8th week</a:t>
+            </a:r>
+          </a:p>
+          <a:p>
+            <a:r>
+              <a:rPr lang="en-US" sz="2000" dirty="0" smtClean="0"/>
+              <a:t>Status : done</a:t>
+            </a:r>
+          </a:p>
+          <a:p>
+            <a:r>
+              <a:rPr lang="en-US" sz="2000" dirty="0" smtClean="0"/>
+              <a:t>Goals </a:t>
+            </a:r>
+            <a:r>
+              <a:rPr lang="en-US" dirty="0" smtClean="0"/>
+              <a:t>:</a:t>
+            </a:r>
+          </a:p>
+          <a:p>
+            <a:pPr lvl="1"/>
+            <a:r>
+              <a:rPr lang="en-US" sz="1800" dirty="0" smtClean="0"/>
+              <a:t>User be able to create a new account</a:t>
+            </a:r>
+          </a:p>
+          <a:p>
+            <a:pPr lvl="1"/>
+            <a:r>
+              <a:rPr lang="en-US" sz="1800" dirty="0" smtClean="0"/>
+              <a:t>Editing account , including name, email..in profile</a:t>
+            </a:r>
+          </a:p>
+          <a:p>
+            <a:pPr lvl="1"/>
+            <a:r>
+              <a:rPr lang="en-US" sz="1700" dirty="0" smtClean="0"/>
+              <a:t>Deleting unused account</a:t>
+            </a:r>
+            <a:endParaRPr lang="en-US" dirty="0" smtClean="0"/>
+          </a:p>
+          <a:p>
+            <a:r>
+              <a:rPr lang="en-US" sz="2000" dirty="0" smtClean="0"/>
+              <a:t>Responsibility for : Nguyen </a:t>
+            </a:r>
+            <a:r>
+              <a:rPr lang="en-US" sz="2000" dirty="0" err="1" smtClean="0"/>
+              <a:t>Thi</a:t>
+            </a:r>
+            <a:r>
+              <a:rPr lang="en-US" sz="2000" dirty="0" smtClean="0"/>
+              <a:t> </a:t>
+            </a:r>
+            <a:r>
+              <a:rPr lang="en-US" sz="2000" dirty="0" err="1" smtClean="0"/>
+              <a:t>Thuy</a:t>
+            </a:r>
+            <a:endParaRPr lang="en-US" sz="2000" dirty="0" smtClean="0"/>
+          </a:p>
+          <a:p>
+            <a:r>
+              <a:rPr lang="en-US" sz="2000" dirty="0" smtClean="0"/>
+              <a:t>Result :</a:t>
+            </a:r>
+          </a:p>
+          <a:p>
+            <a:pPr lvl="1"/>
+            <a:r>
+              <a:rPr lang="en-US" sz="1700" dirty="0" smtClean="0"/>
+              <a:t>Essentially complete</a:t>
+            </a:r>
+          </a:p>
+          <a:p>
+            <a:pPr lvl="1"/>
+            <a:r>
+              <a:rPr lang="en-US" sz="1700" dirty="0" smtClean="0"/>
+              <a:t>Problems  : smell code , testing , stick user with </a:t>
+            </a:r>
+            <a:r>
+              <a:rPr lang="en-US" sz="1700" dirty="0" err="1" smtClean="0"/>
+              <a:t>mindmap</a:t>
+            </a:r>
+            <a:endParaRPr lang="en-US" sz="1700" dirty="0" smtClean="0"/>
+          </a:p>
+          <a:p>
+            <a:r>
+              <a:rPr lang="en-US" sz="2000" dirty="0" smtClean="0"/>
+              <a:t>Member’s enthusiasm : good</a:t>
+            </a:r>
+          </a:p>
+          <a:p>
+            <a:endParaRPr lang="vi-VN" dirty="0"/>
+          </a:p>
+        </p:txBody>
+      </p:sp>
     </p:spTree>
   </p:cSld>
   <p:clrMapOvr>
